--- a/Projektna organizacija.pptx
+++ b/Projektna organizacija.pptx
@@ -140,6 +140,11 @@
       </a:defRPr>
     </a:lvl9pPr>
   </p:defaultTextStyle>
+  <p:extLst>
+    <p:ext uri="{EFAFB233-063F-42B5-8137-9DF3F51BA10A}">
+      <p15:sldGuideLst xmlns:p15="http://schemas.microsoft.com/office/powerpoint/2012/main"/>
+    </p:ext>
+  </p:extLst>
 </p:presentation>
 </file>
 
@@ -292,7 +297,7 @@
           <a:p>
             <a:fld id="{6BC74060-4D0C-4529-8713-5F4D8A9E2B05}" type="datetimeFigureOut">
               <a:rPr lang="bs-Latn-BA" smtClean="0"/>
-              <a:t>31. 10. 2020.</a:t>
+              <a:t>1. 11. 2020.</a:t>
             </a:fld>
             <a:endParaRPr lang="bs-Latn-BA"/>
           </a:p>
@@ -492,7 +497,7 @@
           <a:p>
             <a:fld id="{6BC74060-4D0C-4529-8713-5F4D8A9E2B05}" type="datetimeFigureOut">
               <a:rPr lang="bs-Latn-BA" smtClean="0"/>
-              <a:t>31. 10. 2020.</a:t>
+              <a:t>1. 11. 2020.</a:t>
             </a:fld>
             <a:endParaRPr lang="bs-Latn-BA"/>
           </a:p>
@@ -702,7 +707,7 @@
           <a:p>
             <a:fld id="{6BC74060-4D0C-4529-8713-5F4D8A9E2B05}" type="datetimeFigureOut">
               <a:rPr lang="bs-Latn-BA" smtClean="0"/>
-              <a:t>31. 10. 2020.</a:t>
+              <a:t>1. 11. 2020.</a:t>
             </a:fld>
             <a:endParaRPr lang="bs-Latn-BA"/>
           </a:p>
@@ -902,7 +907,7 @@
           <a:p>
             <a:fld id="{6BC74060-4D0C-4529-8713-5F4D8A9E2B05}" type="datetimeFigureOut">
               <a:rPr lang="bs-Latn-BA" smtClean="0"/>
-              <a:t>31. 10. 2020.</a:t>
+              <a:t>1. 11. 2020.</a:t>
             </a:fld>
             <a:endParaRPr lang="bs-Latn-BA"/>
           </a:p>
@@ -1178,7 +1183,7 @@
           <a:p>
             <a:fld id="{6BC74060-4D0C-4529-8713-5F4D8A9E2B05}" type="datetimeFigureOut">
               <a:rPr lang="bs-Latn-BA" smtClean="0"/>
-              <a:t>31. 10. 2020.</a:t>
+              <a:t>1. 11. 2020.</a:t>
             </a:fld>
             <a:endParaRPr lang="bs-Latn-BA"/>
           </a:p>
@@ -1446,7 +1451,7 @@
           <a:p>
             <a:fld id="{6BC74060-4D0C-4529-8713-5F4D8A9E2B05}" type="datetimeFigureOut">
               <a:rPr lang="bs-Latn-BA" smtClean="0"/>
-              <a:t>31. 10. 2020.</a:t>
+              <a:t>1. 11. 2020.</a:t>
             </a:fld>
             <a:endParaRPr lang="bs-Latn-BA"/>
           </a:p>
@@ -1861,7 +1866,7 @@
           <a:p>
             <a:fld id="{6BC74060-4D0C-4529-8713-5F4D8A9E2B05}" type="datetimeFigureOut">
               <a:rPr lang="bs-Latn-BA" smtClean="0"/>
-              <a:t>31. 10. 2020.</a:t>
+              <a:t>1. 11. 2020.</a:t>
             </a:fld>
             <a:endParaRPr lang="bs-Latn-BA"/>
           </a:p>
@@ -2003,7 +2008,7 @@
           <a:p>
             <a:fld id="{6BC74060-4D0C-4529-8713-5F4D8A9E2B05}" type="datetimeFigureOut">
               <a:rPr lang="bs-Latn-BA" smtClean="0"/>
-              <a:t>31. 10. 2020.</a:t>
+              <a:t>1. 11. 2020.</a:t>
             </a:fld>
             <a:endParaRPr lang="bs-Latn-BA"/>
           </a:p>
@@ -2116,7 +2121,7 @@
           <a:p>
             <a:fld id="{6BC74060-4D0C-4529-8713-5F4D8A9E2B05}" type="datetimeFigureOut">
               <a:rPr lang="bs-Latn-BA" smtClean="0"/>
-              <a:t>31. 10. 2020.</a:t>
+              <a:t>1. 11. 2020.</a:t>
             </a:fld>
             <a:endParaRPr lang="bs-Latn-BA"/>
           </a:p>
@@ -2429,7 +2434,7 @@
           <a:p>
             <a:fld id="{6BC74060-4D0C-4529-8713-5F4D8A9E2B05}" type="datetimeFigureOut">
               <a:rPr lang="bs-Latn-BA" smtClean="0"/>
-              <a:t>31. 10. 2020.</a:t>
+              <a:t>1. 11. 2020.</a:t>
             </a:fld>
             <a:endParaRPr lang="bs-Latn-BA"/>
           </a:p>
@@ -2718,7 +2723,7 @@
           <a:p>
             <a:fld id="{6BC74060-4D0C-4529-8713-5F4D8A9E2B05}" type="datetimeFigureOut">
               <a:rPr lang="bs-Latn-BA" smtClean="0"/>
-              <a:t>31. 10. 2020.</a:t>
+              <a:t>1. 11. 2020.</a:t>
             </a:fld>
             <a:endParaRPr lang="bs-Latn-BA"/>
           </a:p>
@@ -2961,7 +2966,7 @@
           <a:p>
             <a:fld id="{6BC74060-4D0C-4529-8713-5F4D8A9E2B05}" type="datetimeFigureOut">
               <a:rPr lang="bs-Latn-BA" smtClean="0"/>
-              <a:t>31. 10. 2020.</a:t>
+              <a:t>1. 11. 2020.</a:t>
             </a:fld>
             <a:endParaRPr lang="bs-Latn-BA"/>
           </a:p>
@@ -3454,8 +3459,8 @@
         </p:nvSpPr>
         <p:spPr>
           <a:xfrm>
-            <a:off x="2958830" y="2466300"/>
-            <a:ext cx="10515600" cy="1325563"/>
+            <a:off x="1801738" y="2766218"/>
+            <a:ext cx="8588524" cy="1325563"/>
           </a:xfrm>
         </p:spPr>
         <p:txBody>
@@ -3464,14 +3469,7 @@
           <a:p>
             <a:r>
               <a:rPr lang="bs-Latn-BA" dirty="0"/>
-              <a:t>Projekat aktivnost plan</a:t>
-            </a:r>
-            <a:br>
-              <a:rPr lang="bs-Latn-BA" dirty="0"/>
-            </a:br>
-            <a:r>
-              <a:rPr lang="bs-Latn-BA" dirty="0"/>
-              <a:t> (Prikaz i unos)</a:t>
+              <a:t>Projekat aktivnost plan (Prikaz i unos)</a:t>
             </a:r>
           </a:p>
         </p:txBody>
@@ -3656,8 +3654,8 @@
         </p:nvSpPr>
         <p:spPr>
           <a:xfrm>
-            <a:off x="2958830" y="2466300"/>
-            <a:ext cx="10515600" cy="1325563"/>
+            <a:off x="3601620" y="2766218"/>
+            <a:ext cx="4988759" cy="1325563"/>
           </a:xfrm>
         </p:spPr>
         <p:txBody>
@@ -3769,10 +3767,10 @@
       </p:grpSpPr>
       <p:pic>
         <p:nvPicPr>
-          <p:cNvPr id="3" name="Picture 2" descr="Graphical user interface, application&#10;&#10;Description automatically generated">
-            <a:extLst>
-              <a:ext uri="{FF2B5EF4-FFF2-40B4-BE49-F238E27FC236}">
-                <a16:creationId xmlns:a16="http://schemas.microsoft.com/office/drawing/2014/main" id="{DC38AE4D-38DA-45E9-9275-288550E35EF8}"/>
+          <p:cNvPr id="4" name="Picture 3" descr="Graphical user interface, application&#10;&#10;Description automatically generated">
+            <a:extLst>
+              <a:ext uri="{FF2B5EF4-FFF2-40B4-BE49-F238E27FC236}">
+                <a16:creationId xmlns:a16="http://schemas.microsoft.com/office/drawing/2014/main" id="{8EFB652F-8A80-4027-AAB3-B4BED1B0028F}"/>
               </a:ext>
             </a:extLst>
           </p:cNvPr>
@@ -3851,8 +3849,8 @@
         </p:nvSpPr>
         <p:spPr>
           <a:xfrm>
-            <a:off x="2958830" y="2466300"/>
-            <a:ext cx="10515600" cy="1325563"/>
+            <a:off x="3955278" y="2766218"/>
+            <a:ext cx="4281444" cy="1325563"/>
           </a:xfrm>
         </p:spPr>
         <p:txBody>
@@ -4046,8 +4044,8 @@
         </p:nvSpPr>
         <p:spPr>
           <a:xfrm>
-            <a:off x="2958830" y="2466300"/>
-            <a:ext cx="10515600" cy="1325563"/>
+            <a:off x="3550346" y="2766218"/>
+            <a:ext cx="5091308" cy="1325563"/>
           </a:xfrm>
         </p:spPr>
         <p:txBody>
@@ -4056,7 +4054,7 @@
           <a:p>
             <a:r>
               <a:rPr lang="bs-Latn-BA" dirty="0"/>
-              <a:t>država (Prikaz i unos)</a:t>
+              <a:t>Država (Prikaz i unos)</a:t>
             </a:r>
           </a:p>
         </p:txBody>
@@ -4109,8 +4107,8 @@
         </p:nvSpPr>
         <p:spPr>
           <a:xfrm>
-            <a:off x="2958830" y="2466300"/>
-            <a:ext cx="10515600" cy="1325563"/>
+            <a:off x="4627116" y="2766218"/>
+            <a:ext cx="2937768" cy="1325563"/>
           </a:xfrm>
         </p:spPr>
         <p:txBody>
@@ -4304,8 +4302,8 @@
         </p:nvSpPr>
         <p:spPr>
           <a:xfrm>
-            <a:off x="2958830" y="2466300"/>
-            <a:ext cx="10515600" cy="1325563"/>
+            <a:off x="3567437" y="2766218"/>
+            <a:ext cx="5057125" cy="1325563"/>
           </a:xfrm>
         </p:spPr>
         <p:txBody>
@@ -4417,10 +4415,10 @@
       </p:grpSpPr>
       <p:pic>
         <p:nvPicPr>
-          <p:cNvPr id="3" name="Picture 2" descr="Graphical user interface, text, application&#10;&#10;Description automatically generated">
-            <a:extLst>
-              <a:ext uri="{FF2B5EF4-FFF2-40B4-BE49-F238E27FC236}">
-                <a16:creationId xmlns:a16="http://schemas.microsoft.com/office/drawing/2014/main" id="{F850D290-0DCC-48D9-BA8C-C554011C5FD4}"/>
+          <p:cNvPr id="4" name="Picture 3">
+            <a:extLst>
+              <a:ext uri="{FF2B5EF4-FFF2-40B4-BE49-F238E27FC236}">
+                <a16:creationId xmlns:a16="http://schemas.microsoft.com/office/drawing/2014/main" id="{3211E685-4252-48F6-9D19-EC9B94EAF164}"/>
               </a:ext>
             </a:extLst>
           </p:cNvPr>
@@ -4839,7 +4837,7 @@
         </p:blipFill>
         <p:spPr>
           <a:xfrm>
-            <a:off x="1878806" y="0"/>
+            <a:off x="1878806" y="136629"/>
             <a:ext cx="8434387" cy="6584742"/>
           </a:xfrm>
         </p:spPr>
@@ -5421,8 +5419,8 @@
         </p:nvSpPr>
         <p:spPr>
           <a:xfrm>
-            <a:off x="2958830" y="2466300"/>
-            <a:ext cx="10515600" cy="1325563"/>
+            <a:off x="3477706" y="2766218"/>
+            <a:ext cx="5236587" cy="1325563"/>
           </a:xfrm>
         </p:spPr>
         <p:txBody>
@@ -5615,8 +5613,8 @@
         </p:nvSpPr>
         <p:spPr>
           <a:xfrm>
-            <a:off x="2958830" y="2466300"/>
-            <a:ext cx="10515600" cy="1325563"/>
+            <a:off x="2956413" y="2766218"/>
+            <a:ext cx="6279174" cy="1325563"/>
           </a:xfrm>
         </p:spPr>
         <p:txBody>
@@ -5625,7 +5623,7 @@
           <a:p>
             <a:r>
               <a:rPr lang="bs-Latn-BA" dirty="0"/>
-              <a:t>organizacija (Prikaz i unos)</a:t>
+              <a:t>Organizacija (Prikaz i unos)</a:t>
             </a:r>
           </a:p>
         </p:txBody>

--- a/Projektna organizacija.pptx
+++ b/Projektna organizacija.pptx
@@ -4415,7 +4415,7 @@
       </p:grpSpPr>
       <p:pic>
         <p:nvPicPr>
-          <p:cNvPr id="4" name="Picture 3">
+          <p:cNvPr id="4" name="Picture 3" descr="Graphical user interface, application&#10;&#10;Description automatically generated">
             <a:extLst>
               <a:ext uri="{FF2B5EF4-FFF2-40B4-BE49-F238E27FC236}">
                 <a16:creationId xmlns:a16="http://schemas.microsoft.com/office/drawing/2014/main" id="{3211E685-4252-48F6-9D19-EC9B94EAF164}"/>
@@ -4497,8 +4497,8 @@
         </p:nvSpPr>
         <p:spPr>
           <a:xfrm>
-            <a:off x="2958830" y="2466300"/>
-            <a:ext cx="10515600" cy="1325563"/>
+            <a:off x="1999284" y="2766218"/>
+            <a:ext cx="8193432" cy="1325563"/>
           </a:xfrm>
         </p:spPr>
         <p:txBody>
@@ -4506,12 +4506,8 @@
           <a:lstStyle/>
           <a:p>
             <a:r>
-              <a:rPr lang="bs-Latn-BA" dirty="0" err="1"/>
-              <a:t>Korisnik_organizacija</a:t>
-            </a:r>
-            <a:r>
               <a:rPr lang="bs-Latn-BA" dirty="0"/>
-              <a:t> (Prikaz i unos)</a:t>
+              <a:t>Korisnik-Organizacija (Prikaz i unos)</a:t>
             </a:r>
           </a:p>
         </p:txBody>
@@ -4696,8 +4692,8 @@
         </p:nvSpPr>
         <p:spPr>
           <a:xfrm>
-            <a:off x="2958830" y="2466300"/>
-            <a:ext cx="10515600" cy="1325563"/>
+            <a:off x="1866824" y="2766218"/>
+            <a:ext cx="8458351" cy="1325563"/>
           </a:xfrm>
         </p:spPr>
         <p:txBody>
@@ -4956,8 +4952,8 @@
         </p:nvSpPr>
         <p:spPr>
           <a:xfrm>
-            <a:off x="2958830" y="2466300"/>
-            <a:ext cx="10515600" cy="1325563"/>
+            <a:off x="2913684" y="2766218"/>
+            <a:ext cx="6364632" cy="1325563"/>
           </a:xfrm>
         </p:spPr>
         <p:txBody>
@@ -5151,8 +5147,8 @@
         </p:nvSpPr>
         <p:spPr>
           <a:xfrm>
-            <a:off x="2958830" y="2466300"/>
-            <a:ext cx="10515600" cy="1325563"/>
+            <a:off x="451503" y="2766218"/>
+            <a:ext cx="11288994" cy="1325563"/>
           </a:xfrm>
         </p:spPr>
         <p:txBody>
@@ -5161,14 +5157,7 @@
           <a:p>
             <a:r>
               <a:rPr lang="bs-Latn-BA" dirty="0"/>
-              <a:t>Projekat aktivnost realizacija</a:t>
-            </a:r>
-            <a:br>
-              <a:rPr lang="bs-Latn-BA" dirty="0"/>
-            </a:br>
-            <a:r>
-              <a:rPr lang="bs-Latn-BA" dirty="0"/>
-              <a:t>(Prikaz, unos i detalji)</a:t>
+              <a:t>Projekat aktivnost realizacija(Prikaz, unos i detalji)</a:t>
             </a:r>
           </a:p>
         </p:txBody>
